--- a/presentation/shreddit3.pptx
+++ b/presentation/shreddit3.pptx
@@ -303,7 +303,7 @@
           <a:p>
             <a:fld id="{238394A5-F9EA-495E-8694-0A5D26CA96EA}" type="datetimeFigureOut">
               <a:rPr lang="en-GB" smtClean="0"/>
-              <a:t>03/12/2014</a:t>
+              <a:t>06/12/2014</a:t>
             </a:fld>
             <a:endParaRPr lang="en-GB"/>
           </a:p>
@@ -473,7 +473,7 @@
           <a:p>
             <a:fld id="{238394A5-F9EA-495E-8694-0A5D26CA96EA}" type="datetimeFigureOut">
               <a:rPr lang="en-GB" smtClean="0"/>
-              <a:t>03/12/2014</a:t>
+              <a:t>06/12/2014</a:t>
             </a:fld>
             <a:endParaRPr lang="en-GB"/>
           </a:p>
@@ -653,7 +653,7 @@
           <a:p>
             <a:fld id="{238394A5-F9EA-495E-8694-0A5D26CA96EA}" type="datetimeFigureOut">
               <a:rPr lang="en-GB" smtClean="0"/>
-              <a:t>03/12/2014</a:t>
+              <a:t>06/12/2014</a:t>
             </a:fld>
             <a:endParaRPr lang="en-GB"/>
           </a:p>
@@ -823,7 +823,7 @@
           <a:p>
             <a:fld id="{238394A5-F9EA-495E-8694-0A5D26CA96EA}" type="datetimeFigureOut">
               <a:rPr lang="en-GB" smtClean="0"/>
-              <a:t>03/12/2014</a:t>
+              <a:t>06/12/2014</a:t>
             </a:fld>
             <a:endParaRPr lang="en-GB"/>
           </a:p>
@@ -1069,7 +1069,7 @@
           <a:p>
             <a:fld id="{238394A5-F9EA-495E-8694-0A5D26CA96EA}" type="datetimeFigureOut">
               <a:rPr lang="en-GB" smtClean="0"/>
-              <a:t>03/12/2014</a:t>
+              <a:t>06/12/2014</a:t>
             </a:fld>
             <a:endParaRPr lang="en-GB"/>
           </a:p>
@@ -1357,7 +1357,7 @@
           <a:p>
             <a:fld id="{238394A5-F9EA-495E-8694-0A5D26CA96EA}" type="datetimeFigureOut">
               <a:rPr lang="en-GB" smtClean="0"/>
-              <a:t>03/12/2014</a:t>
+              <a:t>06/12/2014</a:t>
             </a:fld>
             <a:endParaRPr lang="en-GB"/>
           </a:p>
@@ -1779,7 +1779,7 @@
           <a:p>
             <a:fld id="{238394A5-F9EA-495E-8694-0A5D26CA96EA}" type="datetimeFigureOut">
               <a:rPr lang="en-GB" smtClean="0"/>
-              <a:t>03/12/2014</a:t>
+              <a:t>06/12/2014</a:t>
             </a:fld>
             <a:endParaRPr lang="en-GB"/>
           </a:p>
@@ -1897,7 +1897,7 @@
           <a:p>
             <a:fld id="{238394A5-F9EA-495E-8694-0A5D26CA96EA}" type="datetimeFigureOut">
               <a:rPr lang="en-GB" smtClean="0"/>
-              <a:t>03/12/2014</a:t>
+              <a:t>06/12/2014</a:t>
             </a:fld>
             <a:endParaRPr lang="en-GB"/>
           </a:p>
@@ -1992,7 +1992,7 @@
           <a:p>
             <a:fld id="{238394A5-F9EA-495E-8694-0A5D26CA96EA}" type="datetimeFigureOut">
               <a:rPr lang="en-GB" smtClean="0"/>
-              <a:t>03/12/2014</a:t>
+              <a:t>06/12/2014</a:t>
             </a:fld>
             <a:endParaRPr lang="en-GB"/>
           </a:p>
@@ -2269,7 +2269,7 @@
           <a:p>
             <a:fld id="{238394A5-F9EA-495E-8694-0A5D26CA96EA}" type="datetimeFigureOut">
               <a:rPr lang="en-GB" smtClean="0"/>
-              <a:t>03/12/2014</a:t>
+              <a:t>06/12/2014</a:t>
             </a:fld>
             <a:endParaRPr lang="en-GB"/>
           </a:p>
@@ -2522,7 +2522,7 @@
           <a:p>
             <a:fld id="{238394A5-F9EA-495E-8694-0A5D26CA96EA}" type="datetimeFigureOut">
               <a:rPr lang="en-GB" smtClean="0"/>
-              <a:t>03/12/2014</a:t>
+              <a:t>06/12/2014</a:t>
             </a:fld>
             <a:endParaRPr lang="en-GB"/>
           </a:p>
@@ -2735,7 +2735,7 @@
           <a:p>
             <a:fld id="{238394A5-F9EA-495E-8694-0A5D26CA96EA}" type="datetimeFigureOut">
               <a:rPr lang="en-GB" smtClean="0"/>
-              <a:t>03/12/2014</a:t>
+              <a:t>06/12/2014</a:t>
             </a:fld>
             <a:endParaRPr lang="en-GB"/>
           </a:p>
@@ -5824,11 +5824,7 @@
             </a:r>
             <a:r>
               <a:rPr lang="de-CH" sz="2400" dirty="0" smtClean="0"/>
-              <a:t>Es gibt für jeden Bereich X </a:t>
-            </a:r>
-            <a:r>
-              <a:rPr lang="de-CH" sz="2400" dirty="0" smtClean="0"/>
-              <a:t>Frameworks</a:t>
+              <a:t>Es gibt für jeden Bereich X Frameworks</a:t>
             </a:r>
           </a:p>
           <a:p>
@@ -10190,11 +10186,7 @@
           <a:p>
             <a:r>
               <a:rPr lang="de-CH" sz="2800" dirty="0" smtClean="0"/>
-              <a:t>Sortieiren/Filtern der </a:t>
-            </a:r>
-            <a:r>
-              <a:rPr lang="de-CH" sz="2800" dirty="0" smtClean="0"/>
-              <a:t>Postings</a:t>
+              <a:t>Sortieiren/Filtern der Postings</a:t>
             </a:r>
           </a:p>
           <a:p>
@@ -10202,7 +10194,6 @@
               <a:rPr lang="de-CH" sz="2800" dirty="0" smtClean="0"/>
               <a:t>Suchen nach Postings</a:t>
             </a:r>
-            <a:endParaRPr lang="de-CH" sz="2800" dirty="0" smtClean="0"/>
           </a:p>
           <a:p>
             <a:r>
@@ -10477,14 +10468,32 @@
           <a:p>
             <a:r>
               <a:rPr lang="de-CH" sz="2800" dirty="0" smtClean="0"/>
-              <a:t>Onbeforeunload</a:t>
-            </a:r>
-          </a:p>
-          <a:p>
-            <a:r>
-              <a:rPr lang="de-CH" sz="2800" smtClean="0"/>
-              <a:t>Tests (AngularJS)</a:t>
-            </a:r>
+              <a:t>Onbeforeunload (bei nicht gespeicherten Daten)</a:t>
+            </a:r>
+            <a:endParaRPr lang="de-CH" sz="2800" dirty="0" smtClean="0"/>
+          </a:p>
+          <a:p>
+            <a:r>
+              <a:rPr lang="de-CH" sz="2800" dirty="0" smtClean="0"/>
+              <a:t>Tests (AngularJS</a:t>
+            </a:r>
+            <a:r>
+              <a:rPr lang="de-CH" sz="2800" dirty="0" smtClean="0"/>
+              <a:t>)</a:t>
+            </a:r>
+          </a:p>
+          <a:p>
+            <a:r>
+              <a:rPr lang="de-CH" sz="2800" dirty="0" smtClean="0"/>
+              <a:t>Security</a:t>
+            </a:r>
+          </a:p>
+          <a:p>
+            <a:r>
+              <a:rPr lang="de-CH" sz="2800" dirty="0" smtClean="0"/>
+              <a:t>Accessability</a:t>
+            </a:r>
+            <a:endParaRPr lang="de-CH" sz="2800" dirty="0" smtClean="0"/>
           </a:p>
           <a:p>
             <a:pPr marL="0" indent="0">
